--- a/ppt 16-9/0213.圣诞喜讯.pptx
+++ b/ppt 16-9/0213.圣诞喜讯.pptx
@@ -129,7 +129,7 @@
           <p:cNvPr id="2" name="标题 1">
             <a:extLst>
               <a:ext uri="{FF2B5EF4-FFF2-40B4-BE49-F238E27FC236}">
-                <a16:creationId xmlns:a16="http://schemas.microsoft.com/office/drawing/2014/main" id="{7EEE8A5A-3879-DAF8-52F1-D8696BCB7B03}"/>
+                <a16:creationId xmlns:a16="http://schemas.microsoft.com/office/drawing/2014/main" id="{776B8DB0-5EE7-94EA-913D-18572E6A69D1}"/>
               </a:ext>
             </a:extLst>
           </p:cNvPr>
@@ -166,7 +166,7 @@
           <p:cNvPr id="3" name="副标题 2">
             <a:extLst>
               <a:ext uri="{FF2B5EF4-FFF2-40B4-BE49-F238E27FC236}">
-                <a16:creationId xmlns:a16="http://schemas.microsoft.com/office/drawing/2014/main" id="{F3526478-94A2-2AE9-38BC-E083D326A435}"/>
+                <a16:creationId xmlns:a16="http://schemas.microsoft.com/office/drawing/2014/main" id="{89FA8C5A-8E0F-71A3-5A63-87F626665243}"/>
               </a:ext>
             </a:extLst>
           </p:cNvPr>
@@ -236,7 +236,7 @@
           <p:cNvPr id="4" name="日期占位符 3">
             <a:extLst>
               <a:ext uri="{FF2B5EF4-FFF2-40B4-BE49-F238E27FC236}">
-                <a16:creationId xmlns:a16="http://schemas.microsoft.com/office/drawing/2014/main" id="{BC0B8D9B-BBD7-5601-FA23-DE98F39C7944}"/>
+                <a16:creationId xmlns:a16="http://schemas.microsoft.com/office/drawing/2014/main" id="{197A5E40-10E8-1104-F167-9F1D51FD03BB}"/>
               </a:ext>
             </a:extLst>
           </p:cNvPr>
@@ -252,7 +252,7 @@
           <a:bodyPr/>
           <a:lstStyle/>
           <a:p>
-            <a:fld id="{DC794B09-1E16-4515-9725-03965F1648F5}" type="datetimeFigureOut">
+            <a:fld id="{36349EB1-F3A2-4893-A888-15F4CF51CFBC}" type="datetimeFigureOut">
               <a:rPr lang="zh-CN" altLang="en-US" smtClean="0"/>
               <a:t>2024/3/10</a:t>
             </a:fld>
@@ -265,7 +265,7 @@
           <p:cNvPr id="5" name="页脚占位符 4">
             <a:extLst>
               <a:ext uri="{FF2B5EF4-FFF2-40B4-BE49-F238E27FC236}">
-                <a16:creationId xmlns:a16="http://schemas.microsoft.com/office/drawing/2014/main" id="{B1CA645E-61CB-B8FB-728A-F6F95DE26616}"/>
+                <a16:creationId xmlns:a16="http://schemas.microsoft.com/office/drawing/2014/main" id="{409A5E8C-35A2-41BC-CCFB-18DC38F9A5F1}"/>
               </a:ext>
             </a:extLst>
           </p:cNvPr>
@@ -290,7 +290,7 @@
           <p:cNvPr id="6" name="灯片编号占位符 5">
             <a:extLst>
               <a:ext uri="{FF2B5EF4-FFF2-40B4-BE49-F238E27FC236}">
-                <a16:creationId xmlns:a16="http://schemas.microsoft.com/office/drawing/2014/main" id="{28DBF2AE-858E-FB04-21AB-F9FC837C7D78}"/>
+                <a16:creationId xmlns:a16="http://schemas.microsoft.com/office/drawing/2014/main" id="{4CF82E9A-63E4-505E-82EB-A6C021BFE19A}"/>
               </a:ext>
             </a:extLst>
           </p:cNvPr>
@@ -306,7 +306,7 @@
           <a:bodyPr/>
           <a:lstStyle/>
           <a:p>
-            <a:fld id="{F5C25E8C-23AB-4AD6-8994-24540AE6D285}" type="slidenum">
+            <a:fld id="{0E378085-EC4E-4840-96EF-9FBBB202DF49}" type="slidenum">
               <a:rPr lang="zh-CN" altLang="en-US" smtClean="0"/>
               <a:t>‹#›</a:t>
             </a:fld>
@@ -317,7 +317,7 @@
     </p:spTree>
     <p:extLst>
       <p:ext uri="{BB962C8B-B14F-4D97-AF65-F5344CB8AC3E}">
-        <p14:creationId xmlns:p14="http://schemas.microsoft.com/office/powerpoint/2010/main" val="2704438655"/>
+        <p14:creationId xmlns:p14="http://schemas.microsoft.com/office/powerpoint/2010/main" val="380311518"/>
       </p:ext>
     </p:extLst>
   </p:cSld>
@@ -349,7 +349,7 @@
           <p:cNvPr id="2" name="标题 1">
             <a:extLst>
               <a:ext uri="{FF2B5EF4-FFF2-40B4-BE49-F238E27FC236}">
-                <a16:creationId xmlns:a16="http://schemas.microsoft.com/office/drawing/2014/main" id="{B70A3405-0848-623F-6148-95288DD9D5CF}"/>
+                <a16:creationId xmlns:a16="http://schemas.microsoft.com/office/drawing/2014/main" id="{3DD18631-E000-EF5D-BAD6-B76E22F115C7}"/>
               </a:ext>
             </a:extLst>
           </p:cNvPr>
@@ -377,7 +377,7 @@
           <p:cNvPr id="3" name="竖排文字占位符 2">
             <a:extLst>
               <a:ext uri="{FF2B5EF4-FFF2-40B4-BE49-F238E27FC236}">
-                <a16:creationId xmlns:a16="http://schemas.microsoft.com/office/drawing/2014/main" id="{D26D197C-C50D-2E13-8189-E91175EB8384}"/>
+                <a16:creationId xmlns:a16="http://schemas.microsoft.com/office/drawing/2014/main" id="{9F7EB2B6-B0D0-3593-00A3-387A1098183E}"/>
               </a:ext>
             </a:extLst>
           </p:cNvPr>
@@ -434,7 +434,7 @@
           <p:cNvPr id="4" name="日期占位符 3">
             <a:extLst>
               <a:ext uri="{FF2B5EF4-FFF2-40B4-BE49-F238E27FC236}">
-                <a16:creationId xmlns:a16="http://schemas.microsoft.com/office/drawing/2014/main" id="{90FB9B7B-5A3A-98DB-E06E-C48BAA86144C}"/>
+                <a16:creationId xmlns:a16="http://schemas.microsoft.com/office/drawing/2014/main" id="{1FC971D1-A082-A36F-9640-735905FEA5E5}"/>
               </a:ext>
             </a:extLst>
           </p:cNvPr>
@@ -450,7 +450,7 @@
           <a:bodyPr/>
           <a:lstStyle/>
           <a:p>
-            <a:fld id="{DC794B09-1E16-4515-9725-03965F1648F5}" type="datetimeFigureOut">
+            <a:fld id="{36349EB1-F3A2-4893-A888-15F4CF51CFBC}" type="datetimeFigureOut">
               <a:rPr lang="zh-CN" altLang="en-US" smtClean="0"/>
               <a:t>2024/3/10</a:t>
             </a:fld>
@@ -463,7 +463,7 @@
           <p:cNvPr id="5" name="页脚占位符 4">
             <a:extLst>
               <a:ext uri="{FF2B5EF4-FFF2-40B4-BE49-F238E27FC236}">
-                <a16:creationId xmlns:a16="http://schemas.microsoft.com/office/drawing/2014/main" id="{67227E1A-617D-1D12-DC5C-248D15081750}"/>
+                <a16:creationId xmlns:a16="http://schemas.microsoft.com/office/drawing/2014/main" id="{68FFCEBB-ACA4-6677-B55B-8D8124A7F5DA}"/>
               </a:ext>
             </a:extLst>
           </p:cNvPr>
@@ -488,7 +488,7 @@
           <p:cNvPr id="6" name="灯片编号占位符 5">
             <a:extLst>
               <a:ext uri="{FF2B5EF4-FFF2-40B4-BE49-F238E27FC236}">
-                <a16:creationId xmlns:a16="http://schemas.microsoft.com/office/drawing/2014/main" id="{06E20BC6-0603-E669-BA78-E745579ABA28}"/>
+                <a16:creationId xmlns:a16="http://schemas.microsoft.com/office/drawing/2014/main" id="{BEF4AE95-A88F-9778-99C1-A5BE6C10A787}"/>
               </a:ext>
             </a:extLst>
           </p:cNvPr>
@@ -504,7 +504,7 @@
           <a:bodyPr/>
           <a:lstStyle/>
           <a:p>
-            <a:fld id="{F5C25E8C-23AB-4AD6-8994-24540AE6D285}" type="slidenum">
+            <a:fld id="{0E378085-EC4E-4840-96EF-9FBBB202DF49}" type="slidenum">
               <a:rPr lang="zh-CN" altLang="en-US" smtClean="0"/>
               <a:t>‹#›</a:t>
             </a:fld>
@@ -515,7 +515,7 @@
     </p:spTree>
     <p:extLst>
       <p:ext uri="{BB962C8B-B14F-4D97-AF65-F5344CB8AC3E}">
-        <p14:creationId xmlns:p14="http://schemas.microsoft.com/office/powerpoint/2010/main" val="437713299"/>
+        <p14:creationId xmlns:p14="http://schemas.microsoft.com/office/powerpoint/2010/main" val="2909893152"/>
       </p:ext>
     </p:extLst>
   </p:cSld>
@@ -547,7 +547,7 @@
           <p:cNvPr id="2" name="竖排标题 1">
             <a:extLst>
               <a:ext uri="{FF2B5EF4-FFF2-40B4-BE49-F238E27FC236}">
-                <a16:creationId xmlns:a16="http://schemas.microsoft.com/office/drawing/2014/main" id="{16A6A3A8-7554-9371-5DD1-14513B3F33CD}"/>
+                <a16:creationId xmlns:a16="http://schemas.microsoft.com/office/drawing/2014/main" id="{5485417B-4F82-AACF-445F-E1BBDC78D294}"/>
               </a:ext>
             </a:extLst>
           </p:cNvPr>
@@ -580,7 +580,7 @@
           <p:cNvPr id="3" name="竖排文字占位符 2">
             <a:extLst>
               <a:ext uri="{FF2B5EF4-FFF2-40B4-BE49-F238E27FC236}">
-                <a16:creationId xmlns:a16="http://schemas.microsoft.com/office/drawing/2014/main" id="{39FAA3F0-044B-2036-5C78-8E46184AF612}"/>
+                <a16:creationId xmlns:a16="http://schemas.microsoft.com/office/drawing/2014/main" id="{4C6B8A60-A2D8-90B7-AA93-2D699B14B3E3}"/>
               </a:ext>
             </a:extLst>
           </p:cNvPr>
@@ -642,7 +642,7 @@
           <p:cNvPr id="4" name="日期占位符 3">
             <a:extLst>
               <a:ext uri="{FF2B5EF4-FFF2-40B4-BE49-F238E27FC236}">
-                <a16:creationId xmlns:a16="http://schemas.microsoft.com/office/drawing/2014/main" id="{2B663910-14C5-16AB-2A6B-785D7EEA30D7}"/>
+                <a16:creationId xmlns:a16="http://schemas.microsoft.com/office/drawing/2014/main" id="{022CEBED-294B-93AD-DCF6-95FAC28F7651}"/>
               </a:ext>
             </a:extLst>
           </p:cNvPr>
@@ -658,7 +658,7 @@
           <a:bodyPr/>
           <a:lstStyle/>
           <a:p>
-            <a:fld id="{DC794B09-1E16-4515-9725-03965F1648F5}" type="datetimeFigureOut">
+            <a:fld id="{36349EB1-F3A2-4893-A888-15F4CF51CFBC}" type="datetimeFigureOut">
               <a:rPr lang="zh-CN" altLang="en-US" smtClean="0"/>
               <a:t>2024/3/10</a:t>
             </a:fld>
@@ -671,7 +671,7 @@
           <p:cNvPr id="5" name="页脚占位符 4">
             <a:extLst>
               <a:ext uri="{FF2B5EF4-FFF2-40B4-BE49-F238E27FC236}">
-                <a16:creationId xmlns:a16="http://schemas.microsoft.com/office/drawing/2014/main" id="{AAA3E5A8-E666-6CF0-A674-F74FBFB511A2}"/>
+                <a16:creationId xmlns:a16="http://schemas.microsoft.com/office/drawing/2014/main" id="{6AAC3947-4020-8566-2B00-60EB50BF3C37}"/>
               </a:ext>
             </a:extLst>
           </p:cNvPr>
@@ -696,7 +696,7 @@
           <p:cNvPr id="6" name="灯片编号占位符 5">
             <a:extLst>
               <a:ext uri="{FF2B5EF4-FFF2-40B4-BE49-F238E27FC236}">
-                <a16:creationId xmlns:a16="http://schemas.microsoft.com/office/drawing/2014/main" id="{B92D7403-0AF5-34FB-E007-30A5B7C49B0A}"/>
+                <a16:creationId xmlns:a16="http://schemas.microsoft.com/office/drawing/2014/main" id="{905E60AD-2EC6-8624-88FA-0502037C94F8}"/>
               </a:ext>
             </a:extLst>
           </p:cNvPr>
@@ -712,7 +712,7 @@
           <a:bodyPr/>
           <a:lstStyle/>
           <a:p>
-            <a:fld id="{F5C25E8C-23AB-4AD6-8994-24540AE6D285}" type="slidenum">
+            <a:fld id="{0E378085-EC4E-4840-96EF-9FBBB202DF49}" type="slidenum">
               <a:rPr lang="zh-CN" altLang="en-US" smtClean="0"/>
               <a:t>‹#›</a:t>
             </a:fld>
@@ -723,7 +723,7 @@
     </p:spTree>
     <p:extLst>
       <p:ext uri="{BB962C8B-B14F-4D97-AF65-F5344CB8AC3E}">
-        <p14:creationId xmlns:p14="http://schemas.microsoft.com/office/powerpoint/2010/main" val="2652265228"/>
+        <p14:creationId xmlns:p14="http://schemas.microsoft.com/office/powerpoint/2010/main" val="1418373495"/>
       </p:ext>
     </p:extLst>
   </p:cSld>
@@ -755,7 +755,7 @@
           <p:cNvPr id="2" name="标题 1">
             <a:extLst>
               <a:ext uri="{FF2B5EF4-FFF2-40B4-BE49-F238E27FC236}">
-                <a16:creationId xmlns:a16="http://schemas.microsoft.com/office/drawing/2014/main" id="{B06460E9-4B88-4099-E310-D25DE24392D4}"/>
+                <a16:creationId xmlns:a16="http://schemas.microsoft.com/office/drawing/2014/main" id="{ECD26F3B-BB3F-E0C5-89A0-B5505D64C774}"/>
               </a:ext>
             </a:extLst>
           </p:cNvPr>
@@ -783,7 +783,7 @@
           <p:cNvPr id="3" name="内容占位符 2">
             <a:extLst>
               <a:ext uri="{FF2B5EF4-FFF2-40B4-BE49-F238E27FC236}">
-                <a16:creationId xmlns:a16="http://schemas.microsoft.com/office/drawing/2014/main" id="{793383C8-AA81-490D-2B5F-9B12D3C2152D}"/>
+                <a16:creationId xmlns:a16="http://schemas.microsoft.com/office/drawing/2014/main" id="{9F2FBBE1-9932-31CD-5E1E-950D0E16EF35}"/>
               </a:ext>
             </a:extLst>
           </p:cNvPr>
@@ -840,7 +840,7 @@
           <p:cNvPr id="4" name="日期占位符 3">
             <a:extLst>
               <a:ext uri="{FF2B5EF4-FFF2-40B4-BE49-F238E27FC236}">
-                <a16:creationId xmlns:a16="http://schemas.microsoft.com/office/drawing/2014/main" id="{404EAF2C-9E20-A4F3-BD8E-55CAC24245B1}"/>
+                <a16:creationId xmlns:a16="http://schemas.microsoft.com/office/drawing/2014/main" id="{0B63D1BD-B570-563F-24F6-D05A4A3F3B20}"/>
               </a:ext>
             </a:extLst>
           </p:cNvPr>
@@ -856,7 +856,7 @@
           <a:bodyPr/>
           <a:lstStyle/>
           <a:p>
-            <a:fld id="{DC794B09-1E16-4515-9725-03965F1648F5}" type="datetimeFigureOut">
+            <a:fld id="{36349EB1-F3A2-4893-A888-15F4CF51CFBC}" type="datetimeFigureOut">
               <a:rPr lang="zh-CN" altLang="en-US" smtClean="0"/>
               <a:t>2024/3/10</a:t>
             </a:fld>
@@ -869,7 +869,7 @@
           <p:cNvPr id="5" name="页脚占位符 4">
             <a:extLst>
               <a:ext uri="{FF2B5EF4-FFF2-40B4-BE49-F238E27FC236}">
-                <a16:creationId xmlns:a16="http://schemas.microsoft.com/office/drawing/2014/main" id="{E9B590A8-2E15-7CA1-AA30-932E3EF5E15A}"/>
+                <a16:creationId xmlns:a16="http://schemas.microsoft.com/office/drawing/2014/main" id="{9D01554F-3CD9-4E05-601D-0CE791C7DFD3}"/>
               </a:ext>
             </a:extLst>
           </p:cNvPr>
@@ -894,7 +894,7 @@
           <p:cNvPr id="6" name="灯片编号占位符 5">
             <a:extLst>
               <a:ext uri="{FF2B5EF4-FFF2-40B4-BE49-F238E27FC236}">
-                <a16:creationId xmlns:a16="http://schemas.microsoft.com/office/drawing/2014/main" id="{9A5D6646-A737-91A8-60C5-BA5CD56A2B44}"/>
+                <a16:creationId xmlns:a16="http://schemas.microsoft.com/office/drawing/2014/main" id="{E804D16A-0EBD-5B4F-274D-91F1B77E6F7D}"/>
               </a:ext>
             </a:extLst>
           </p:cNvPr>
@@ -910,7 +910,7 @@
           <a:bodyPr/>
           <a:lstStyle/>
           <a:p>
-            <a:fld id="{F5C25E8C-23AB-4AD6-8994-24540AE6D285}" type="slidenum">
+            <a:fld id="{0E378085-EC4E-4840-96EF-9FBBB202DF49}" type="slidenum">
               <a:rPr lang="zh-CN" altLang="en-US" smtClean="0"/>
               <a:t>‹#›</a:t>
             </a:fld>
@@ -921,7 +921,7 @@
     </p:spTree>
     <p:extLst>
       <p:ext uri="{BB962C8B-B14F-4D97-AF65-F5344CB8AC3E}">
-        <p14:creationId xmlns:p14="http://schemas.microsoft.com/office/powerpoint/2010/main" val="3264512944"/>
+        <p14:creationId xmlns:p14="http://schemas.microsoft.com/office/powerpoint/2010/main" val="2459643135"/>
       </p:ext>
     </p:extLst>
   </p:cSld>
@@ -953,7 +953,7 @@
           <p:cNvPr id="2" name="标题 1">
             <a:extLst>
               <a:ext uri="{FF2B5EF4-FFF2-40B4-BE49-F238E27FC236}">
-                <a16:creationId xmlns:a16="http://schemas.microsoft.com/office/drawing/2014/main" id="{602119D0-6D27-BEE2-2D4F-811E3DC61D22}"/>
+                <a16:creationId xmlns:a16="http://schemas.microsoft.com/office/drawing/2014/main" id="{7A5C24ED-CFAE-FBE1-5411-E53E7B66E8DC}"/>
               </a:ext>
             </a:extLst>
           </p:cNvPr>
@@ -990,7 +990,7 @@
           <p:cNvPr id="3" name="文本占位符 2">
             <a:extLst>
               <a:ext uri="{FF2B5EF4-FFF2-40B4-BE49-F238E27FC236}">
-                <a16:creationId xmlns:a16="http://schemas.microsoft.com/office/drawing/2014/main" id="{2E0D74A0-CA1E-6237-0AD1-F4CD82C55D86}"/>
+                <a16:creationId xmlns:a16="http://schemas.microsoft.com/office/drawing/2014/main" id="{D1FEAC0D-40A6-CD2D-82AD-79DF6F349030}"/>
               </a:ext>
             </a:extLst>
           </p:cNvPr>
@@ -1115,7 +1115,7 @@
           <p:cNvPr id="4" name="日期占位符 3">
             <a:extLst>
               <a:ext uri="{FF2B5EF4-FFF2-40B4-BE49-F238E27FC236}">
-                <a16:creationId xmlns:a16="http://schemas.microsoft.com/office/drawing/2014/main" id="{7F4D6C70-F3E7-77D0-EAF0-0530CE78E9A0}"/>
+                <a16:creationId xmlns:a16="http://schemas.microsoft.com/office/drawing/2014/main" id="{E925AE37-7BB0-0B9E-8B33-69FC5CC66854}"/>
               </a:ext>
             </a:extLst>
           </p:cNvPr>
@@ -1131,7 +1131,7 @@
           <a:bodyPr/>
           <a:lstStyle/>
           <a:p>
-            <a:fld id="{DC794B09-1E16-4515-9725-03965F1648F5}" type="datetimeFigureOut">
+            <a:fld id="{36349EB1-F3A2-4893-A888-15F4CF51CFBC}" type="datetimeFigureOut">
               <a:rPr lang="zh-CN" altLang="en-US" smtClean="0"/>
               <a:t>2024/3/10</a:t>
             </a:fld>
@@ -1144,7 +1144,7 @@
           <p:cNvPr id="5" name="页脚占位符 4">
             <a:extLst>
               <a:ext uri="{FF2B5EF4-FFF2-40B4-BE49-F238E27FC236}">
-                <a16:creationId xmlns:a16="http://schemas.microsoft.com/office/drawing/2014/main" id="{D23B4AC0-A1BF-1730-77F4-B42350F628E6}"/>
+                <a16:creationId xmlns:a16="http://schemas.microsoft.com/office/drawing/2014/main" id="{6DFFE953-B6E8-C322-490D-14C8048BCDBB}"/>
               </a:ext>
             </a:extLst>
           </p:cNvPr>
@@ -1169,7 +1169,7 @@
           <p:cNvPr id="6" name="灯片编号占位符 5">
             <a:extLst>
               <a:ext uri="{FF2B5EF4-FFF2-40B4-BE49-F238E27FC236}">
-                <a16:creationId xmlns:a16="http://schemas.microsoft.com/office/drawing/2014/main" id="{24156066-18CF-D9B8-1C93-4FF4DB3BE92F}"/>
+                <a16:creationId xmlns:a16="http://schemas.microsoft.com/office/drawing/2014/main" id="{FF319A96-838D-09AC-F63A-7F758A1F6394}"/>
               </a:ext>
             </a:extLst>
           </p:cNvPr>
@@ -1185,7 +1185,7 @@
           <a:bodyPr/>
           <a:lstStyle/>
           <a:p>
-            <a:fld id="{F5C25E8C-23AB-4AD6-8994-24540AE6D285}" type="slidenum">
+            <a:fld id="{0E378085-EC4E-4840-96EF-9FBBB202DF49}" type="slidenum">
               <a:rPr lang="zh-CN" altLang="en-US" smtClean="0"/>
               <a:t>‹#›</a:t>
             </a:fld>
@@ -1196,7 +1196,7 @@
     </p:spTree>
     <p:extLst>
       <p:ext uri="{BB962C8B-B14F-4D97-AF65-F5344CB8AC3E}">
-        <p14:creationId xmlns:p14="http://schemas.microsoft.com/office/powerpoint/2010/main" val="3654213216"/>
+        <p14:creationId xmlns:p14="http://schemas.microsoft.com/office/powerpoint/2010/main" val="1788406744"/>
       </p:ext>
     </p:extLst>
   </p:cSld>
@@ -1228,7 +1228,7 @@
           <p:cNvPr id="2" name="标题 1">
             <a:extLst>
               <a:ext uri="{FF2B5EF4-FFF2-40B4-BE49-F238E27FC236}">
-                <a16:creationId xmlns:a16="http://schemas.microsoft.com/office/drawing/2014/main" id="{7C3B0D45-5090-F99A-D0BD-A9D545B12C6D}"/>
+                <a16:creationId xmlns:a16="http://schemas.microsoft.com/office/drawing/2014/main" id="{3C74E172-25F4-0D14-F954-A6C64A0A1CB3}"/>
               </a:ext>
             </a:extLst>
           </p:cNvPr>
@@ -1256,7 +1256,7 @@
           <p:cNvPr id="3" name="内容占位符 2">
             <a:extLst>
               <a:ext uri="{FF2B5EF4-FFF2-40B4-BE49-F238E27FC236}">
-                <a16:creationId xmlns:a16="http://schemas.microsoft.com/office/drawing/2014/main" id="{C1C68820-C8CD-1AD9-783A-FA1ACB4A1E7D}"/>
+                <a16:creationId xmlns:a16="http://schemas.microsoft.com/office/drawing/2014/main" id="{82BB0E2B-F951-D364-BC07-3F050F6BF427}"/>
               </a:ext>
             </a:extLst>
           </p:cNvPr>
@@ -1318,7 +1318,7 @@
           <p:cNvPr id="4" name="内容占位符 3">
             <a:extLst>
               <a:ext uri="{FF2B5EF4-FFF2-40B4-BE49-F238E27FC236}">
-                <a16:creationId xmlns:a16="http://schemas.microsoft.com/office/drawing/2014/main" id="{93EEF921-19F1-D145-2031-BA411A101A17}"/>
+                <a16:creationId xmlns:a16="http://schemas.microsoft.com/office/drawing/2014/main" id="{A1D43362-4A27-D840-C973-E3547242FE52}"/>
               </a:ext>
             </a:extLst>
           </p:cNvPr>
@@ -1380,7 +1380,7 @@
           <p:cNvPr id="5" name="日期占位符 4">
             <a:extLst>
               <a:ext uri="{FF2B5EF4-FFF2-40B4-BE49-F238E27FC236}">
-                <a16:creationId xmlns:a16="http://schemas.microsoft.com/office/drawing/2014/main" id="{FBFD5E8E-C81A-B2CE-976A-DD52E707B471}"/>
+                <a16:creationId xmlns:a16="http://schemas.microsoft.com/office/drawing/2014/main" id="{78AF01D4-E0D4-BE52-8B11-3176996CF007}"/>
               </a:ext>
             </a:extLst>
           </p:cNvPr>
@@ -1396,7 +1396,7 @@
           <a:bodyPr/>
           <a:lstStyle/>
           <a:p>
-            <a:fld id="{DC794B09-1E16-4515-9725-03965F1648F5}" type="datetimeFigureOut">
+            <a:fld id="{36349EB1-F3A2-4893-A888-15F4CF51CFBC}" type="datetimeFigureOut">
               <a:rPr lang="zh-CN" altLang="en-US" smtClean="0"/>
               <a:t>2024/3/10</a:t>
             </a:fld>
@@ -1409,7 +1409,7 @@
           <p:cNvPr id="6" name="页脚占位符 5">
             <a:extLst>
               <a:ext uri="{FF2B5EF4-FFF2-40B4-BE49-F238E27FC236}">
-                <a16:creationId xmlns:a16="http://schemas.microsoft.com/office/drawing/2014/main" id="{E3594327-9072-C18B-28F8-70109E0BD0C8}"/>
+                <a16:creationId xmlns:a16="http://schemas.microsoft.com/office/drawing/2014/main" id="{2EBD820E-4E0A-6C51-DC09-CF5D8DCD4E9B}"/>
               </a:ext>
             </a:extLst>
           </p:cNvPr>
@@ -1434,7 +1434,7 @@
           <p:cNvPr id="7" name="灯片编号占位符 6">
             <a:extLst>
               <a:ext uri="{FF2B5EF4-FFF2-40B4-BE49-F238E27FC236}">
-                <a16:creationId xmlns:a16="http://schemas.microsoft.com/office/drawing/2014/main" id="{AFDEE34B-E1B7-F107-17A0-44D1129A0C7A}"/>
+                <a16:creationId xmlns:a16="http://schemas.microsoft.com/office/drawing/2014/main" id="{A662A2ED-BFF3-7471-4259-B64D80A1B260}"/>
               </a:ext>
             </a:extLst>
           </p:cNvPr>
@@ -1450,7 +1450,7 @@
           <a:bodyPr/>
           <a:lstStyle/>
           <a:p>
-            <a:fld id="{F5C25E8C-23AB-4AD6-8994-24540AE6D285}" type="slidenum">
+            <a:fld id="{0E378085-EC4E-4840-96EF-9FBBB202DF49}" type="slidenum">
               <a:rPr lang="zh-CN" altLang="en-US" smtClean="0"/>
               <a:t>‹#›</a:t>
             </a:fld>
@@ -1461,7 +1461,7 @@
     </p:spTree>
     <p:extLst>
       <p:ext uri="{BB962C8B-B14F-4D97-AF65-F5344CB8AC3E}">
-        <p14:creationId xmlns:p14="http://schemas.microsoft.com/office/powerpoint/2010/main" val="1233991312"/>
+        <p14:creationId xmlns:p14="http://schemas.microsoft.com/office/powerpoint/2010/main" val="2195988583"/>
       </p:ext>
     </p:extLst>
   </p:cSld>
@@ -1493,7 +1493,7 @@
           <p:cNvPr id="2" name="标题 1">
             <a:extLst>
               <a:ext uri="{FF2B5EF4-FFF2-40B4-BE49-F238E27FC236}">
-                <a16:creationId xmlns:a16="http://schemas.microsoft.com/office/drawing/2014/main" id="{BDE39579-B683-DF5D-F9C6-A698D8AA935B}"/>
+                <a16:creationId xmlns:a16="http://schemas.microsoft.com/office/drawing/2014/main" id="{F6B2A40D-6EAC-EA3D-CAA1-C6C277E1BB5D}"/>
               </a:ext>
             </a:extLst>
           </p:cNvPr>
@@ -1526,7 +1526,7 @@
           <p:cNvPr id="3" name="文本占位符 2">
             <a:extLst>
               <a:ext uri="{FF2B5EF4-FFF2-40B4-BE49-F238E27FC236}">
-                <a16:creationId xmlns:a16="http://schemas.microsoft.com/office/drawing/2014/main" id="{2EBD65E6-A72A-CB67-8134-EB64742F3B94}"/>
+                <a16:creationId xmlns:a16="http://schemas.microsoft.com/office/drawing/2014/main" id="{E7F16EF4-9273-B8AC-67DD-911D8BB66E9C}"/>
               </a:ext>
             </a:extLst>
           </p:cNvPr>
@@ -1597,7 +1597,7 @@
           <p:cNvPr id="4" name="内容占位符 3">
             <a:extLst>
               <a:ext uri="{FF2B5EF4-FFF2-40B4-BE49-F238E27FC236}">
-                <a16:creationId xmlns:a16="http://schemas.microsoft.com/office/drawing/2014/main" id="{E8B0D7CD-714C-9250-7064-E10708E1F88A}"/>
+                <a16:creationId xmlns:a16="http://schemas.microsoft.com/office/drawing/2014/main" id="{5EA55927-19A4-92F4-92F0-167A222A60D5}"/>
               </a:ext>
             </a:extLst>
           </p:cNvPr>
@@ -1659,7 +1659,7 @@
           <p:cNvPr id="5" name="文本占位符 4">
             <a:extLst>
               <a:ext uri="{FF2B5EF4-FFF2-40B4-BE49-F238E27FC236}">
-                <a16:creationId xmlns:a16="http://schemas.microsoft.com/office/drawing/2014/main" id="{4EF9C267-3C1F-269E-EF87-7A5930523FD9}"/>
+                <a16:creationId xmlns:a16="http://schemas.microsoft.com/office/drawing/2014/main" id="{2A16C2E9-44F1-142F-75BD-9B5D82DA7D2A}"/>
               </a:ext>
             </a:extLst>
           </p:cNvPr>
@@ -1730,7 +1730,7 @@
           <p:cNvPr id="6" name="内容占位符 5">
             <a:extLst>
               <a:ext uri="{FF2B5EF4-FFF2-40B4-BE49-F238E27FC236}">
-                <a16:creationId xmlns:a16="http://schemas.microsoft.com/office/drawing/2014/main" id="{10D25E65-6B4D-1DFD-4603-5C06EF267A59}"/>
+                <a16:creationId xmlns:a16="http://schemas.microsoft.com/office/drawing/2014/main" id="{B6B4D2BD-81A5-3B39-CDB8-074AEAFFC0E9}"/>
               </a:ext>
             </a:extLst>
           </p:cNvPr>
@@ -1792,7 +1792,7 @@
           <p:cNvPr id="7" name="日期占位符 6">
             <a:extLst>
               <a:ext uri="{FF2B5EF4-FFF2-40B4-BE49-F238E27FC236}">
-                <a16:creationId xmlns:a16="http://schemas.microsoft.com/office/drawing/2014/main" id="{FBB122A6-9BAE-C815-80CA-25DB04CA5137}"/>
+                <a16:creationId xmlns:a16="http://schemas.microsoft.com/office/drawing/2014/main" id="{29DAB174-AC61-E6F8-4CA9-3D469C4ED225}"/>
               </a:ext>
             </a:extLst>
           </p:cNvPr>
@@ -1808,7 +1808,7 @@
           <a:bodyPr/>
           <a:lstStyle/>
           <a:p>
-            <a:fld id="{DC794B09-1E16-4515-9725-03965F1648F5}" type="datetimeFigureOut">
+            <a:fld id="{36349EB1-F3A2-4893-A888-15F4CF51CFBC}" type="datetimeFigureOut">
               <a:rPr lang="zh-CN" altLang="en-US" smtClean="0"/>
               <a:t>2024/3/10</a:t>
             </a:fld>
@@ -1821,7 +1821,7 @@
           <p:cNvPr id="8" name="页脚占位符 7">
             <a:extLst>
               <a:ext uri="{FF2B5EF4-FFF2-40B4-BE49-F238E27FC236}">
-                <a16:creationId xmlns:a16="http://schemas.microsoft.com/office/drawing/2014/main" id="{558DB995-7829-10CE-5515-228C57F3A8F3}"/>
+                <a16:creationId xmlns:a16="http://schemas.microsoft.com/office/drawing/2014/main" id="{2BF5B552-0AE2-2F7D-D3FF-DB903C7C1410}"/>
               </a:ext>
             </a:extLst>
           </p:cNvPr>
@@ -1846,7 +1846,7 @@
           <p:cNvPr id="9" name="灯片编号占位符 8">
             <a:extLst>
               <a:ext uri="{FF2B5EF4-FFF2-40B4-BE49-F238E27FC236}">
-                <a16:creationId xmlns:a16="http://schemas.microsoft.com/office/drawing/2014/main" id="{8A7941A0-6929-C42D-51F5-DE7BD9A2272A}"/>
+                <a16:creationId xmlns:a16="http://schemas.microsoft.com/office/drawing/2014/main" id="{AABF732C-E990-E249-DC78-2FF61605EA03}"/>
               </a:ext>
             </a:extLst>
           </p:cNvPr>
@@ -1862,7 +1862,7 @@
           <a:bodyPr/>
           <a:lstStyle/>
           <a:p>
-            <a:fld id="{F5C25E8C-23AB-4AD6-8994-24540AE6D285}" type="slidenum">
+            <a:fld id="{0E378085-EC4E-4840-96EF-9FBBB202DF49}" type="slidenum">
               <a:rPr lang="zh-CN" altLang="en-US" smtClean="0"/>
               <a:t>‹#›</a:t>
             </a:fld>
@@ -1873,7 +1873,7 @@
     </p:spTree>
     <p:extLst>
       <p:ext uri="{BB962C8B-B14F-4D97-AF65-F5344CB8AC3E}">
-        <p14:creationId xmlns:p14="http://schemas.microsoft.com/office/powerpoint/2010/main" val="3052860477"/>
+        <p14:creationId xmlns:p14="http://schemas.microsoft.com/office/powerpoint/2010/main" val="1534783742"/>
       </p:ext>
     </p:extLst>
   </p:cSld>
@@ -1905,7 +1905,7 @@
           <p:cNvPr id="2" name="标题 1">
             <a:extLst>
               <a:ext uri="{FF2B5EF4-FFF2-40B4-BE49-F238E27FC236}">
-                <a16:creationId xmlns:a16="http://schemas.microsoft.com/office/drawing/2014/main" id="{51F2D595-9CFE-2EDE-34AD-D17518109CA3}"/>
+                <a16:creationId xmlns:a16="http://schemas.microsoft.com/office/drawing/2014/main" id="{83547077-6E6B-C1E9-4376-E011DD4AB3FE}"/>
               </a:ext>
             </a:extLst>
           </p:cNvPr>
@@ -1933,7 +1933,7 @@
           <p:cNvPr id="3" name="日期占位符 2">
             <a:extLst>
               <a:ext uri="{FF2B5EF4-FFF2-40B4-BE49-F238E27FC236}">
-                <a16:creationId xmlns:a16="http://schemas.microsoft.com/office/drawing/2014/main" id="{85AD1282-E96D-D977-4524-DF436B6C9DC3}"/>
+                <a16:creationId xmlns:a16="http://schemas.microsoft.com/office/drawing/2014/main" id="{70CF2B6A-CF70-8759-C6CE-3A3A24B71C6D}"/>
               </a:ext>
             </a:extLst>
           </p:cNvPr>
@@ -1949,7 +1949,7 @@
           <a:bodyPr/>
           <a:lstStyle/>
           <a:p>
-            <a:fld id="{DC794B09-1E16-4515-9725-03965F1648F5}" type="datetimeFigureOut">
+            <a:fld id="{36349EB1-F3A2-4893-A888-15F4CF51CFBC}" type="datetimeFigureOut">
               <a:rPr lang="zh-CN" altLang="en-US" smtClean="0"/>
               <a:t>2024/3/10</a:t>
             </a:fld>
@@ -1962,7 +1962,7 @@
           <p:cNvPr id="4" name="页脚占位符 3">
             <a:extLst>
               <a:ext uri="{FF2B5EF4-FFF2-40B4-BE49-F238E27FC236}">
-                <a16:creationId xmlns:a16="http://schemas.microsoft.com/office/drawing/2014/main" id="{94A546B0-8A74-5ABD-399A-C644D8A89F58}"/>
+                <a16:creationId xmlns:a16="http://schemas.microsoft.com/office/drawing/2014/main" id="{0CCBFBE8-3850-46C3-43EF-1D6FD1F4A251}"/>
               </a:ext>
             </a:extLst>
           </p:cNvPr>
@@ -1987,7 +1987,7 @@
           <p:cNvPr id="5" name="灯片编号占位符 4">
             <a:extLst>
               <a:ext uri="{FF2B5EF4-FFF2-40B4-BE49-F238E27FC236}">
-                <a16:creationId xmlns:a16="http://schemas.microsoft.com/office/drawing/2014/main" id="{DD61C579-70C0-C659-7557-938A3BDC22F6}"/>
+                <a16:creationId xmlns:a16="http://schemas.microsoft.com/office/drawing/2014/main" id="{9F69A0D8-8965-8ADD-40A7-E52B63594B1F}"/>
               </a:ext>
             </a:extLst>
           </p:cNvPr>
@@ -2003,7 +2003,7 @@
           <a:bodyPr/>
           <a:lstStyle/>
           <a:p>
-            <a:fld id="{F5C25E8C-23AB-4AD6-8994-24540AE6D285}" type="slidenum">
+            <a:fld id="{0E378085-EC4E-4840-96EF-9FBBB202DF49}" type="slidenum">
               <a:rPr lang="zh-CN" altLang="en-US" smtClean="0"/>
               <a:t>‹#›</a:t>
             </a:fld>
@@ -2014,7 +2014,7 @@
     </p:spTree>
     <p:extLst>
       <p:ext uri="{BB962C8B-B14F-4D97-AF65-F5344CB8AC3E}">
-        <p14:creationId xmlns:p14="http://schemas.microsoft.com/office/powerpoint/2010/main" val="2992077814"/>
+        <p14:creationId xmlns:p14="http://schemas.microsoft.com/office/powerpoint/2010/main" val="1597784287"/>
       </p:ext>
     </p:extLst>
   </p:cSld>
@@ -2046,7 +2046,7 @@
           <p:cNvPr id="2" name="日期占位符 1">
             <a:extLst>
               <a:ext uri="{FF2B5EF4-FFF2-40B4-BE49-F238E27FC236}">
-                <a16:creationId xmlns:a16="http://schemas.microsoft.com/office/drawing/2014/main" id="{4B428222-9A71-6A11-0FE0-41D929FBA821}"/>
+                <a16:creationId xmlns:a16="http://schemas.microsoft.com/office/drawing/2014/main" id="{9C028ADB-8281-507E-B9B6-881FD6664AE0}"/>
               </a:ext>
             </a:extLst>
           </p:cNvPr>
@@ -2062,7 +2062,7 @@
           <a:bodyPr/>
           <a:lstStyle/>
           <a:p>
-            <a:fld id="{DC794B09-1E16-4515-9725-03965F1648F5}" type="datetimeFigureOut">
+            <a:fld id="{36349EB1-F3A2-4893-A888-15F4CF51CFBC}" type="datetimeFigureOut">
               <a:rPr lang="zh-CN" altLang="en-US" smtClean="0"/>
               <a:t>2024/3/10</a:t>
             </a:fld>
@@ -2075,7 +2075,7 @@
           <p:cNvPr id="3" name="页脚占位符 2">
             <a:extLst>
               <a:ext uri="{FF2B5EF4-FFF2-40B4-BE49-F238E27FC236}">
-                <a16:creationId xmlns:a16="http://schemas.microsoft.com/office/drawing/2014/main" id="{7E8ACCF1-B571-3714-95BA-E882D6B21C77}"/>
+                <a16:creationId xmlns:a16="http://schemas.microsoft.com/office/drawing/2014/main" id="{5B4C424C-73D7-3197-520B-1E8BD3AA659D}"/>
               </a:ext>
             </a:extLst>
           </p:cNvPr>
@@ -2100,7 +2100,7 @@
           <p:cNvPr id="4" name="灯片编号占位符 3">
             <a:extLst>
               <a:ext uri="{FF2B5EF4-FFF2-40B4-BE49-F238E27FC236}">
-                <a16:creationId xmlns:a16="http://schemas.microsoft.com/office/drawing/2014/main" id="{B22A0779-DF2E-A625-72C6-0FA7D61D0679}"/>
+                <a16:creationId xmlns:a16="http://schemas.microsoft.com/office/drawing/2014/main" id="{1161F528-11EC-6D30-B0A8-540DFDD65A8A}"/>
               </a:ext>
             </a:extLst>
           </p:cNvPr>
@@ -2116,7 +2116,7 @@
           <a:bodyPr/>
           <a:lstStyle/>
           <a:p>
-            <a:fld id="{F5C25E8C-23AB-4AD6-8994-24540AE6D285}" type="slidenum">
+            <a:fld id="{0E378085-EC4E-4840-96EF-9FBBB202DF49}" type="slidenum">
               <a:rPr lang="zh-CN" altLang="en-US" smtClean="0"/>
               <a:t>‹#›</a:t>
             </a:fld>
@@ -2127,7 +2127,7 @@
     </p:spTree>
     <p:extLst>
       <p:ext uri="{BB962C8B-B14F-4D97-AF65-F5344CB8AC3E}">
-        <p14:creationId xmlns:p14="http://schemas.microsoft.com/office/powerpoint/2010/main" val="1532663157"/>
+        <p14:creationId xmlns:p14="http://schemas.microsoft.com/office/powerpoint/2010/main" val="53198632"/>
       </p:ext>
     </p:extLst>
   </p:cSld>
@@ -2159,7 +2159,7 @@
           <p:cNvPr id="2" name="标题 1">
             <a:extLst>
               <a:ext uri="{FF2B5EF4-FFF2-40B4-BE49-F238E27FC236}">
-                <a16:creationId xmlns:a16="http://schemas.microsoft.com/office/drawing/2014/main" id="{65C470F8-E31C-7975-097F-AACE7ED33F20}"/>
+                <a16:creationId xmlns:a16="http://schemas.microsoft.com/office/drawing/2014/main" id="{BD3E5E56-4178-8DA7-D77C-7B578E2F8D25}"/>
               </a:ext>
             </a:extLst>
           </p:cNvPr>
@@ -2196,7 +2196,7 @@
           <p:cNvPr id="3" name="内容占位符 2">
             <a:extLst>
               <a:ext uri="{FF2B5EF4-FFF2-40B4-BE49-F238E27FC236}">
-                <a16:creationId xmlns:a16="http://schemas.microsoft.com/office/drawing/2014/main" id="{AC0A9228-2A2F-6773-F30F-113F828A7852}"/>
+                <a16:creationId xmlns:a16="http://schemas.microsoft.com/office/drawing/2014/main" id="{E3BD2B9D-3CCD-E003-C20D-205CFD4A75E3}"/>
               </a:ext>
             </a:extLst>
           </p:cNvPr>
@@ -2286,7 +2286,7 @@
           <p:cNvPr id="4" name="文本占位符 3">
             <a:extLst>
               <a:ext uri="{FF2B5EF4-FFF2-40B4-BE49-F238E27FC236}">
-                <a16:creationId xmlns:a16="http://schemas.microsoft.com/office/drawing/2014/main" id="{F8890FD0-8E86-2579-D0B5-9B9BCAE91B25}"/>
+                <a16:creationId xmlns:a16="http://schemas.microsoft.com/office/drawing/2014/main" id="{DC8A7EF6-63FC-EFB5-DA41-0649E70C9BDB}"/>
               </a:ext>
             </a:extLst>
           </p:cNvPr>
@@ -2357,7 +2357,7 @@
           <p:cNvPr id="5" name="日期占位符 4">
             <a:extLst>
               <a:ext uri="{FF2B5EF4-FFF2-40B4-BE49-F238E27FC236}">
-                <a16:creationId xmlns:a16="http://schemas.microsoft.com/office/drawing/2014/main" id="{2B0BC1B6-ED28-6B54-F13C-5EA8A332904D}"/>
+                <a16:creationId xmlns:a16="http://schemas.microsoft.com/office/drawing/2014/main" id="{B835509E-2BBD-EDB7-C5FA-EC487F9405D7}"/>
               </a:ext>
             </a:extLst>
           </p:cNvPr>
@@ -2373,7 +2373,7 @@
           <a:bodyPr/>
           <a:lstStyle/>
           <a:p>
-            <a:fld id="{DC794B09-1E16-4515-9725-03965F1648F5}" type="datetimeFigureOut">
+            <a:fld id="{36349EB1-F3A2-4893-A888-15F4CF51CFBC}" type="datetimeFigureOut">
               <a:rPr lang="zh-CN" altLang="en-US" smtClean="0"/>
               <a:t>2024/3/10</a:t>
             </a:fld>
@@ -2386,7 +2386,7 @@
           <p:cNvPr id="6" name="页脚占位符 5">
             <a:extLst>
               <a:ext uri="{FF2B5EF4-FFF2-40B4-BE49-F238E27FC236}">
-                <a16:creationId xmlns:a16="http://schemas.microsoft.com/office/drawing/2014/main" id="{5A8A6FB9-18E5-A300-5BCC-F2CE41B80FB0}"/>
+                <a16:creationId xmlns:a16="http://schemas.microsoft.com/office/drawing/2014/main" id="{3E21B74D-59CB-4E65-12EB-E20FB3AAF04A}"/>
               </a:ext>
             </a:extLst>
           </p:cNvPr>
@@ -2411,7 +2411,7 @@
           <p:cNvPr id="7" name="灯片编号占位符 6">
             <a:extLst>
               <a:ext uri="{FF2B5EF4-FFF2-40B4-BE49-F238E27FC236}">
-                <a16:creationId xmlns:a16="http://schemas.microsoft.com/office/drawing/2014/main" id="{2CBB7A07-64BD-87F1-28A1-F20C039BBF3A}"/>
+                <a16:creationId xmlns:a16="http://schemas.microsoft.com/office/drawing/2014/main" id="{F192C950-5D54-783F-3BFE-7B94A82C37B9}"/>
               </a:ext>
             </a:extLst>
           </p:cNvPr>
@@ -2427,7 +2427,7 @@
           <a:bodyPr/>
           <a:lstStyle/>
           <a:p>
-            <a:fld id="{F5C25E8C-23AB-4AD6-8994-24540AE6D285}" type="slidenum">
+            <a:fld id="{0E378085-EC4E-4840-96EF-9FBBB202DF49}" type="slidenum">
               <a:rPr lang="zh-CN" altLang="en-US" smtClean="0"/>
               <a:t>‹#›</a:t>
             </a:fld>
@@ -2438,7 +2438,7 @@
     </p:spTree>
     <p:extLst>
       <p:ext uri="{BB962C8B-B14F-4D97-AF65-F5344CB8AC3E}">
-        <p14:creationId xmlns:p14="http://schemas.microsoft.com/office/powerpoint/2010/main" val="1306053748"/>
+        <p14:creationId xmlns:p14="http://schemas.microsoft.com/office/powerpoint/2010/main" val="3129365648"/>
       </p:ext>
     </p:extLst>
   </p:cSld>
@@ -2470,7 +2470,7 @@
           <p:cNvPr id="2" name="标题 1">
             <a:extLst>
               <a:ext uri="{FF2B5EF4-FFF2-40B4-BE49-F238E27FC236}">
-                <a16:creationId xmlns:a16="http://schemas.microsoft.com/office/drawing/2014/main" id="{9253291F-488B-CBC8-DD75-788D8DAA7765}"/>
+                <a16:creationId xmlns:a16="http://schemas.microsoft.com/office/drawing/2014/main" id="{29619B12-C4AC-7C79-7950-BB002A14B2FC}"/>
               </a:ext>
             </a:extLst>
           </p:cNvPr>
@@ -2507,7 +2507,7 @@
           <p:cNvPr id="3" name="图片占位符 2">
             <a:extLst>
               <a:ext uri="{FF2B5EF4-FFF2-40B4-BE49-F238E27FC236}">
-                <a16:creationId xmlns:a16="http://schemas.microsoft.com/office/drawing/2014/main" id="{BF402CF2-9C4A-CD44-EEF8-466B51BC9BB3}"/>
+                <a16:creationId xmlns:a16="http://schemas.microsoft.com/office/drawing/2014/main" id="{259EC847-AD03-01E8-4FF1-73A6BCF1FB91}"/>
               </a:ext>
             </a:extLst>
           </p:cNvPr>
@@ -2574,7 +2574,7 @@
           <p:cNvPr id="4" name="文本占位符 3">
             <a:extLst>
               <a:ext uri="{FF2B5EF4-FFF2-40B4-BE49-F238E27FC236}">
-                <a16:creationId xmlns:a16="http://schemas.microsoft.com/office/drawing/2014/main" id="{3C605A88-78E7-41E7-144C-0064FFF1DE0A}"/>
+                <a16:creationId xmlns:a16="http://schemas.microsoft.com/office/drawing/2014/main" id="{D169175B-FF05-5F88-3F07-8145CD982F4C}"/>
               </a:ext>
             </a:extLst>
           </p:cNvPr>
@@ -2645,7 +2645,7 @@
           <p:cNvPr id="5" name="日期占位符 4">
             <a:extLst>
               <a:ext uri="{FF2B5EF4-FFF2-40B4-BE49-F238E27FC236}">
-                <a16:creationId xmlns:a16="http://schemas.microsoft.com/office/drawing/2014/main" id="{48720A56-0193-1EF2-1296-1E6F3CCF39DD}"/>
+                <a16:creationId xmlns:a16="http://schemas.microsoft.com/office/drawing/2014/main" id="{16538E56-7F2E-31E1-07E6-58EF608B0C2D}"/>
               </a:ext>
             </a:extLst>
           </p:cNvPr>
@@ -2661,7 +2661,7 @@
           <a:bodyPr/>
           <a:lstStyle/>
           <a:p>
-            <a:fld id="{DC794B09-1E16-4515-9725-03965F1648F5}" type="datetimeFigureOut">
+            <a:fld id="{36349EB1-F3A2-4893-A888-15F4CF51CFBC}" type="datetimeFigureOut">
               <a:rPr lang="zh-CN" altLang="en-US" smtClean="0"/>
               <a:t>2024/3/10</a:t>
             </a:fld>
@@ -2674,7 +2674,7 @@
           <p:cNvPr id="6" name="页脚占位符 5">
             <a:extLst>
               <a:ext uri="{FF2B5EF4-FFF2-40B4-BE49-F238E27FC236}">
-                <a16:creationId xmlns:a16="http://schemas.microsoft.com/office/drawing/2014/main" id="{0F5C5E12-57A5-2025-AE99-43C133EE2970}"/>
+                <a16:creationId xmlns:a16="http://schemas.microsoft.com/office/drawing/2014/main" id="{8B6E3721-D92B-A962-48BD-EC565D8E58F8}"/>
               </a:ext>
             </a:extLst>
           </p:cNvPr>
@@ -2699,7 +2699,7 @@
           <p:cNvPr id="7" name="灯片编号占位符 6">
             <a:extLst>
               <a:ext uri="{FF2B5EF4-FFF2-40B4-BE49-F238E27FC236}">
-                <a16:creationId xmlns:a16="http://schemas.microsoft.com/office/drawing/2014/main" id="{A6876CC5-6A08-6EE7-2D9A-8BB57D53A01C}"/>
+                <a16:creationId xmlns:a16="http://schemas.microsoft.com/office/drawing/2014/main" id="{01BFCC76-DC73-DAC3-EE63-F9532CC7B783}"/>
               </a:ext>
             </a:extLst>
           </p:cNvPr>
@@ -2715,7 +2715,7 @@
           <a:bodyPr/>
           <a:lstStyle/>
           <a:p>
-            <a:fld id="{F5C25E8C-23AB-4AD6-8994-24540AE6D285}" type="slidenum">
+            <a:fld id="{0E378085-EC4E-4840-96EF-9FBBB202DF49}" type="slidenum">
               <a:rPr lang="zh-CN" altLang="en-US" smtClean="0"/>
               <a:t>‹#›</a:t>
             </a:fld>
@@ -2726,7 +2726,7 @@
     </p:spTree>
     <p:extLst>
       <p:ext uri="{BB962C8B-B14F-4D97-AF65-F5344CB8AC3E}">
-        <p14:creationId xmlns:p14="http://schemas.microsoft.com/office/powerpoint/2010/main" val="265620432"/>
+        <p14:creationId xmlns:p14="http://schemas.microsoft.com/office/powerpoint/2010/main" val="1779535098"/>
       </p:ext>
     </p:extLst>
   </p:cSld>
@@ -2763,7 +2763,7 @@
           <p:cNvPr id="2" name="标题占位符 1">
             <a:extLst>
               <a:ext uri="{FF2B5EF4-FFF2-40B4-BE49-F238E27FC236}">
-                <a16:creationId xmlns:a16="http://schemas.microsoft.com/office/drawing/2014/main" id="{34D56330-D8D6-8822-C07F-07269C9C1EF8}"/>
+                <a16:creationId xmlns:a16="http://schemas.microsoft.com/office/drawing/2014/main" id="{C46BF86C-7A80-9A64-DBC6-B5043B94E06E}"/>
               </a:ext>
             </a:extLst>
           </p:cNvPr>
@@ -2801,7 +2801,7 @@
           <p:cNvPr id="3" name="文本占位符 2">
             <a:extLst>
               <a:ext uri="{FF2B5EF4-FFF2-40B4-BE49-F238E27FC236}">
-                <a16:creationId xmlns:a16="http://schemas.microsoft.com/office/drawing/2014/main" id="{4320D0BF-4303-26D1-3EC8-796446574510}"/>
+                <a16:creationId xmlns:a16="http://schemas.microsoft.com/office/drawing/2014/main" id="{B3C8921B-7B29-84E7-D056-3DB63C9D9E34}"/>
               </a:ext>
             </a:extLst>
           </p:cNvPr>
@@ -2868,7 +2868,7 @@
           <p:cNvPr id="4" name="日期占位符 3">
             <a:extLst>
               <a:ext uri="{FF2B5EF4-FFF2-40B4-BE49-F238E27FC236}">
-                <a16:creationId xmlns:a16="http://schemas.microsoft.com/office/drawing/2014/main" id="{55937C15-92DD-98E5-A898-9900DAB519A8}"/>
+                <a16:creationId xmlns:a16="http://schemas.microsoft.com/office/drawing/2014/main" id="{D20FE326-54BB-CDDE-8E8D-6736E418D38F}"/>
               </a:ext>
             </a:extLst>
           </p:cNvPr>
@@ -2902,7 +2902,7 @@
             </a:lvl1pPr>
           </a:lstStyle>
           <a:p>
-            <a:fld id="{DC794B09-1E16-4515-9725-03965F1648F5}" type="datetimeFigureOut">
+            <a:fld id="{36349EB1-F3A2-4893-A888-15F4CF51CFBC}" type="datetimeFigureOut">
               <a:rPr lang="zh-CN" altLang="en-US" smtClean="0"/>
               <a:t>2024/3/10</a:t>
             </a:fld>
@@ -2915,7 +2915,7 @@
           <p:cNvPr id="5" name="页脚占位符 4">
             <a:extLst>
               <a:ext uri="{FF2B5EF4-FFF2-40B4-BE49-F238E27FC236}">
-                <a16:creationId xmlns:a16="http://schemas.microsoft.com/office/drawing/2014/main" id="{96B02296-29C2-7FAF-1CC7-0413ADD0543D}"/>
+                <a16:creationId xmlns:a16="http://schemas.microsoft.com/office/drawing/2014/main" id="{CCCCBB55-AEE3-5825-5B24-1941A5C61B89}"/>
               </a:ext>
             </a:extLst>
           </p:cNvPr>
@@ -2958,7 +2958,7 @@
           <p:cNvPr id="6" name="灯片编号占位符 5">
             <a:extLst>
               <a:ext uri="{FF2B5EF4-FFF2-40B4-BE49-F238E27FC236}">
-                <a16:creationId xmlns:a16="http://schemas.microsoft.com/office/drawing/2014/main" id="{627F975C-A4C2-5ABD-9E42-6C903E9BD4FB}"/>
+                <a16:creationId xmlns:a16="http://schemas.microsoft.com/office/drawing/2014/main" id="{5343AF71-0577-CF0C-E71F-D4C3CCB5C090}"/>
               </a:ext>
             </a:extLst>
           </p:cNvPr>
@@ -2992,7 +2992,7 @@
             </a:lvl1pPr>
           </a:lstStyle>
           <a:p>
-            <a:fld id="{F5C25E8C-23AB-4AD6-8994-24540AE6D285}" type="slidenum">
+            <a:fld id="{0E378085-EC4E-4840-96EF-9FBBB202DF49}" type="slidenum">
               <a:rPr lang="zh-CN" altLang="en-US" smtClean="0"/>
               <a:t>‹#›</a:t>
             </a:fld>
@@ -3003,7 +3003,7 @@
     </p:spTree>
     <p:extLst>
       <p:ext uri="{BB962C8B-B14F-4D97-AF65-F5344CB8AC3E}">
-        <p14:creationId xmlns:p14="http://schemas.microsoft.com/office/powerpoint/2010/main" val="1523542719"/>
+        <p14:creationId xmlns:p14="http://schemas.microsoft.com/office/powerpoint/2010/main" val="4015528396"/>
       </p:ext>
     </p:extLst>
   </p:cSld>
